--- a/presentations/draft_presentation1.pptx
+++ b/presentations/draft_presentation1.pptx
@@ -110,6 +110,11 @@
       </a:defRPr>
     </a:lvl9pPr>
   </p:defaultTextStyle>
+  <p:extLst>
+    <p:ext uri="{EFAFB233-063F-42B5-8137-9DF3F51BA10A}">
+      <p15:sldGuideLst xmlns:p15="http://schemas.microsoft.com/office/powerpoint/2012/main"/>
+    </p:ext>
+  </p:extLst>
 </p:presentation>
 </file>
 
@@ -260,7 +265,7 @@
           <a:p>
             <a:fld id="{FB5D96CF-D6A6-49FB-A5D3-272880B246FD}" type="datetimeFigureOut">
               <a:rPr lang="nb-NO" smtClean="0"/>
-              <a:t>01.03.2020</a:t>
+              <a:t>02.03.2020</a:t>
             </a:fld>
             <a:endParaRPr lang="nb-NO"/>
           </a:p>
@@ -458,7 +463,7 @@
           <a:p>
             <a:fld id="{FB5D96CF-D6A6-49FB-A5D3-272880B246FD}" type="datetimeFigureOut">
               <a:rPr lang="nb-NO" smtClean="0"/>
-              <a:t>01.03.2020</a:t>
+              <a:t>02.03.2020</a:t>
             </a:fld>
             <a:endParaRPr lang="nb-NO"/>
           </a:p>
@@ -666,7 +671,7 @@
           <a:p>
             <a:fld id="{FB5D96CF-D6A6-49FB-A5D3-272880B246FD}" type="datetimeFigureOut">
               <a:rPr lang="nb-NO" smtClean="0"/>
-              <a:t>01.03.2020</a:t>
+              <a:t>02.03.2020</a:t>
             </a:fld>
             <a:endParaRPr lang="nb-NO"/>
           </a:p>
@@ -864,7 +869,7 @@
           <a:p>
             <a:fld id="{FB5D96CF-D6A6-49FB-A5D3-272880B246FD}" type="datetimeFigureOut">
               <a:rPr lang="nb-NO" smtClean="0"/>
-              <a:t>01.03.2020</a:t>
+              <a:t>02.03.2020</a:t>
             </a:fld>
             <a:endParaRPr lang="nb-NO"/>
           </a:p>
@@ -1139,7 +1144,7 @@
           <a:p>
             <a:fld id="{FB5D96CF-D6A6-49FB-A5D3-272880B246FD}" type="datetimeFigureOut">
               <a:rPr lang="nb-NO" smtClean="0"/>
-              <a:t>01.03.2020</a:t>
+              <a:t>02.03.2020</a:t>
             </a:fld>
             <a:endParaRPr lang="nb-NO"/>
           </a:p>
@@ -1404,7 +1409,7 @@
           <a:p>
             <a:fld id="{FB5D96CF-D6A6-49FB-A5D3-272880B246FD}" type="datetimeFigureOut">
               <a:rPr lang="nb-NO" smtClean="0"/>
-              <a:t>01.03.2020</a:t>
+              <a:t>02.03.2020</a:t>
             </a:fld>
             <a:endParaRPr lang="nb-NO"/>
           </a:p>
@@ -1816,7 +1821,7 @@
           <a:p>
             <a:fld id="{FB5D96CF-D6A6-49FB-A5D3-272880B246FD}" type="datetimeFigureOut">
               <a:rPr lang="nb-NO" smtClean="0"/>
-              <a:t>01.03.2020</a:t>
+              <a:t>02.03.2020</a:t>
             </a:fld>
             <a:endParaRPr lang="nb-NO"/>
           </a:p>
@@ -1957,7 +1962,7 @@
           <a:p>
             <a:fld id="{FB5D96CF-D6A6-49FB-A5D3-272880B246FD}" type="datetimeFigureOut">
               <a:rPr lang="nb-NO" smtClean="0"/>
-              <a:t>01.03.2020</a:t>
+              <a:t>02.03.2020</a:t>
             </a:fld>
             <a:endParaRPr lang="nb-NO"/>
           </a:p>
@@ -2070,7 +2075,7 @@
           <a:p>
             <a:fld id="{FB5D96CF-D6A6-49FB-A5D3-272880B246FD}" type="datetimeFigureOut">
               <a:rPr lang="nb-NO" smtClean="0"/>
-              <a:t>01.03.2020</a:t>
+              <a:t>02.03.2020</a:t>
             </a:fld>
             <a:endParaRPr lang="nb-NO"/>
           </a:p>
@@ -2381,7 +2386,7 @@
           <a:p>
             <a:fld id="{FB5D96CF-D6A6-49FB-A5D3-272880B246FD}" type="datetimeFigureOut">
               <a:rPr lang="nb-NO" smtClean="0"/>
-              <a:t>01.03.2020</a:t>
+              <a:t>02.03.2020</a:t>
             </a:fld>
             <a:endParaRPr lang="nb-NO"/>
           </a:p>
@@ -2669,7 +2674,7 @@
           <a:p>
             <a:fld id="{FB5D96CF-D6A6-49FB-A5D3-272880B246FD}" type="datetimeFigureOut">
               <a:rPr lang="nb-NO" smtClean="0"/>
-              <a:t>01.03.2020</a:t>
+              <a:t>02.03.2020</a:t>
             </a:fld>
             <a:endParaRPr lang="nb-NO"/>
           </a:p>
@@ -2910,7 +2915,7 @@
           <a:p>
             <a:fld id="{FB5D96CF-D6A6-49FB-A5D3-272880B246FD}" type="datetimeFigureOut">
               <a:rPr lang="nb-NO" smtClean="0"/>
-              <a:t>01.03.2020</a:t>
+              <a:t>02.03.2020</a:t>
             </a:fld>
             <a:endParaRPr lang="nb-NO"/>
           </a:p>
@@ -3942,9 +3947,18 @@
           <a:p>
             <a:pPr lvl="1"/>
             <a:r>
-              <a:rPr lang="nb-NO" dirty="0"/>
-              <a:t>Movie data</a:t>
-            </a:r>
+              <a:rPr lang="nb-NO" dirty="0" err="1"/>
+              <a:t>Title</a:t>
+            </a:r>
+            <a:r>
+              <a:rPr lang="nb-NO" dirty="0"/>
+              <a:t> data – 6.5M </a:t>
+            </a:r>
+            <a:r>
+              <a:rPr lang="nb-NO" dirty="0" err="1"/>
+              <a:t>rows</a:t>
+            </a:r>
+            <a:endParaRPr lang="nb-NO" dirty="0"/>
           </a:p>
           <a:p>
             <a:pPr lvl="1"/>
@@ -3954,8 +3968,13 @@
             </a:r>
             <a:r>
               <a:rPr lang="nb-NO" dirty="0"/>
-              <a:t> data</a:t>
-            </a:r>
+              <a:t> data – 9.9M </a:t>
+            </a:r>
+            <a:r>
+              <a:rPr lang="nb-NO" dirty="0" err="1"/>
+              <a:t>rows</a:t>
+            </a:r>
+            <a:endParaRPr lang="nb-NO" dirty="0"/>
           </a:p>
           <a:p>
             <a:r>
@@ -4647,6 +4666,17 @@
               <a:t>actors</a:t>
             </a:r>
             <a:endParaRPr lang="nb-NO" dirty="0"/>
+          </a:p>
+          <a:p>
+            <a:pPr lvl="1"/>
+            <a:r>
+              <a:rPr lang="nb-NO" dirty="0" err="1"/>
+              <a:t>Calculate</a:t>
+            </a:r>
+            <a:r>
+              <a:rPr lang="nb-NO" dirty="0"/>
+              <a:t> age</a:t>
+            </a:r>
           </a:p>
           <a:p>
             <a:pPr lvl="1"/>
